--- a/Slides/Lesson 5.2 Multi-Way Trees.pptx
+++ b/Slides/Lesson 5.2 Multi-Way Trees.pptx
@@ -6,7 +6,7 @@
     <p:sldMasterId id="2147483676" r:id="rId2"/>
   </p:sldMasterIdLst>
   <p:notesMasterIdLst>
-    <p:notesMasterId r:id="rId29"/>
+    <p:notesMasterId r:id="rId27"/>
   </p:notesMasterIdLst>
   <p:sldIdLst>
     <p:sldId id="379" r:id="rId3"/>
@@ -23,23 +23,21 @@
     <p:sldId id="390" r:id="rId14"/>
     <p:sldId id="391" r:id="rId15"/>
     <p:sldId id="392" r:id="rId16"/>
-    <p:sldId id="393" r:id="rId17"/>
-    <p:sldId id="394" r:id="rId18"/>
-    <p:sldId id="395" r:id="rId19"/>
-    <p:sldId id="396" r:id="rId20"/>
-    <p:sldId id="397" r:id="rId21"/>
-    <p:sldId id="398" r:id="rId22"/>
-    <p:sldId id="399" r:id="rId23"/>
-    <p:sldId id="400" r:id="rId24"/>
-    <p:sldId id="401" r:id="rId25"/>
-    <p:sldId id="402" r:id="rId26"/>
-    <p:sldId id="403" r:id="rId27"/>
-    <p:sldId id="404" r:id="rId28"/>
+    <p:sldId id="394" r:id="rId17"/>
+    <p:sldId id="395" r:id="rId18"/>
+    <p:sldId id="396" r:id="rId19"/>
+    <p:sldId id="397" r:id="rId20"/>
+    <p:sldId id="398" r:id="rId21"/>
+    <p:sldId id="400" r:id="rId22"/>
+    <p:sldId id="401" r:id="rId23"/>
+    <p:sldId id="402" r:id="rId24"/>
+    <p:sldId id="403" r:id="rId25"/>
+    <p:sldId id="404" r:id="rId26"/>
   </p:sldIdLst>
   <p:sldSz cx="9144000" cy="6858000" type="screen4x3"/>
   <p:notesSz cx="6858000" cy="9144000"/>
   <p:custDataLst>
-    <p:tags r:id="rId30"/>
+    <p:tags r:id="rId28"/>
   </p:custDataLst>
   <p:defaultTextStyle>
     <a:defPPr>
@@ -155,13 +153,11 @@
             <p14:sldId id="390"/>
             <p14:sldId id="391"/>
             <p14:sldId id="392"/>
-            <p14:sldId id="393"/>
             <p14:sldId id="394"/>
             <p14:sldId id="395"/>
             <p14:sldId id="396"/>
             <p14:sldId id="397"/>
             <p14:sldId id="398"/>
-            <p14:sldId id="399"/>
             <p14:sldId id="400"/>
             <p14:sldId id="401"/>
             <p14:sldId id="402"/>
@@ -9209,7 +9205,7 @@
           <a:p>
             <a:fld id="{1AC50D25-69DA-4251-A3B1-10895C6A89D6}" type="datetimeFigureOut">
               <a:rPr lang="en-US" smtClean="0"/>
-              <a:t>8/9/2017</a:t>
+              <a:t>8/28/2017</a:t>
             </a:fld>
             <a:endParaRPr lang="en-US"/>
           </a:p>
@@ -9643,7 +9639,7 @@
     </p:spTree>
     <p:extLst>
       <p:ext uri="{BB962C8B-B14F-4D97-AF65-F5344CB8AC3E}">
-        <p14:creationId xmlns:p14="http://schemas.microsoft.com/office/powerpoint/2010/main" val="1732514322"/>
+        <p14:creationId xmlns:p14="http://schemas.microsoft.com/office/powerpoint/2010/main" val="825360261"/>
       </p:ext>
     </p:extLst>
   </p:cSld>
@@ -9727,7 +9723,7 @@
             <a:fld id="{00E1DFD8-B619-4FFF-B366-BDCC98D08110}" type="slidenum">
               <a:rPr lang="en-US" smtClean="0"/>
               <a:pPr/>
-              <a:t>17</a:t>
+              <a:t>18</a:t>
             </a:fld>
             <a:endParaRPr lang="en-US"/>
           </a:p>
@@ -9736,7 +9732,7 @@
     </p:spTree>
     <p:extLst>
       <p:ext uri="{BB962C8B-B14F-4D97-AF65-F5344CB8AC3E}">
-        <p14:creationId xmlns:p14="http://schemas.microsoft.com/office/powerpoint/2010/main" val="825360261"/>
+        <p14:creationId xmlns:p14="http://schemas.microsoft.com/office/powerpoint/2010/main" val="3963997710"/>
       </p:ext>
     </p:extLst>
   </p:cSld>
@@ -9829,193 +9825,7 @@
     </p:spTree>
     <p:extLst>
       <p:ext uri="{BB962C8B-B14F-4D97-AF65-F5344CB8AC3E}">
-        <p14:creationId xmlns:p14="http://schemas.microsoft.com/office/powerpoint/2010/main" val="3963997710"/>
-      </p:ext>
-    </p:extLst>
-  </p:cSld>
-  <p:clrMapOvr>
-    <a:masterClrMapping/>
-  </p:clrMapOvr>
-</p:notes>
-</file>
-
-<file path=ppt/notesSlides/notesSlide13.xml><?xml version="1.0" encoding="utf-8"?>
-<p:notes xmlns:a="http://schemas.openxmlformats.org/drawingml/2006/main" xmlns:r="http://schemas.openxmlformats.org/officeDocument/2006/relationships" xmlns:p="http://schemas.openxmlformats.org/presentationml/2006/main">
-  <p:cSld>
-    <p:spTree>
-      <p:nvGrpSpPr>
-        <p:cNvPr id="1" name=""/>
-        <p:cNvGrpSpPr/>
-        <p:nvPr/>
-      </p:nvGrpSpPr>
-      <p:grpSpPr>
-        <a:xfrm>
-          <a:off x="0" y="0"/>
-          <a:ext cx="0" cy="0"/>
-          <a:chOff x="0" y="0"/>
-          <a:chExt cx="0" cy="0"/>
-        </a:xfrm>
-      </p:grpSpPr>
-      <p:sp>
-        <p:nvSpPr>
-          <p:cNvPr id="2" name="Slide Image Placeholder 1"/>
-          <p:cNvSpPr>
-            <a:spLocks noGrp="1" noRot="1" noChangeAspect="1"/>
-          </p:cNvSpPr>
-          <p:nvPr>
-            <p:ph type="sldImg"/>
-          </p:nvPr>
-        </p:nvSpPr>
-        <p:spPr/>
-      </p:sp>
-      <p:sp>
-        <p:nvSpPr>
-          <p:cNvPr id="3" name="Notes Placeholder 2"/>
-          <p:cNvSpPr>
-            <a:spLocks noGrp="1"/>
-          </p:cNvSpPr>
-          <p:nvPr>
-            <p:ph type="body" idx="1"/>
-          </p:nvPr>
-        </p:nvSpPr>
-        <p:spPr/>
-        <p:txBody>
-          <a:bodyPr/>
-          <a:lstStyle/>
-          <a:p>
-            <a:endParaRPr lang="en-US" sz="1200" kern="1200" dirty="0">
-              <a:solidFill>
-                <a:schemeClr val="tx1"/>
-              </a:solidFill>
-              <a:effectLst/>
-              <a:latin typeface="+mn-lt"/>
-              <a:ea typeface="+mn-ea"/>
-              <a:cs typeface="+mn-cs"/>
-            </a:endParaRPr>
-          </a:p>
-        </p:txBody>
-      </p:sp>
-      <p:sp>
-        <p:nvSpPr>
-          <p:cNvPr id="4" name="Slide Number Placeholder 3"/>
-          <p:cNvSpPr>
-            <a:spLocks noGrp="1"/>
-          </p:cNvSpPr>
-          <p:nvPr>
-            <p:ph type="sldNum" sz="quarter" idx="10"/>
-          </p:nvPr>
-        </p:nvSpPr>
-        <p:spPr/>
-        <p:txBody>
-          <a:bodyPr/>
-          <a:lstStyle/>
-          <a:p>
-            <a:fld id="{00E1DFD8-B619-4FFF-B366-BDCC98D08110}" type="slidenum">
-              <a:rPr lang="en-US" smtClean="0"/>
-              <a:pPr/>
-              <a:t>20</a:t>
-            </a:fld>
-            <a:endParaRPr lang="en-US"/>
-          </a:p>
-        </p:txBody>
-      </p:sp>
-    </p:spTree>
-    <p:extLst>
-      <p:ext uri="{BB962C8B-B14F-4D97-AF65-F5344CB8AC3E}">
         <p14:creationId xmlns:p14="http://schemas.microsoft.com/office/powerpoint/2010/main" val="1290517493"/>
-      </p:ext>
-    </p:extLst>
-  </p:cSld>
-  <p:clrMapOvr>
-    <a:masterClrMapping/>
-  </p:clrMapOvr>
-</p:notes>
-</file>
-
-<file path=ppt/notesSlides/notesSlide14.xml><?xml version="1.0" encoding="utf-8"?>
-<p:notes xmlns:a="http://schemas.openxmlformats.org/drawingml/2006/main" xmlns:r="http://schemas.openxmlformats.org/officeDocument/2006/relationships" xmlns:p="http://schemas.openxmlformats.org/presentationml/2006/main">
-  <p:cSld>
-    <p:spTree>
-      <p:nvGrpSpPr>
-        <p:cNvPr id="1" name=""/>
-        <p:cNvGrpSpPr/>
-        <p:nvPr/>
-      </p:nvGrpSpPr>
-      <p:grpSpPr>
-        <a:xfrm>
-          <a:off x="0" y="0"/>
-          <a:ext cx="0" cy="0"/>
-          <a:chOff x="0" y="0"/>
-          <a:chExt cx="0" cy="0"/>
-        </a:xfrm>
-      </p:grpSpPr>
-      <p:sp>
-        <p:nvSpPr>
-          <p:cNvPr id="2" name="Slide Image Placeholder 1"/>
-          <p:cNvSpPr>
-            <a:spLocks noGrp="1" noRot="1" noChangeAspect="1"/>
-          </p:cNvSpPr>
-          <p:nvPr>
-            <p:ph type="sldImg"/>
-          </p:nvPr>
-        </p:nvSpPr>
-        <p:spPr/>
-      </p:sp>
-      <p:sp>
-        <p:nvSpPr>
-          <p:cNvPr id="3" name="Notes Placeholder 2"/>
-          <p:cNvSpPr>
-            <a:spLocks noGrp="1"/>
-          </p:cNvSpPr>
-          <p:nvPr>
-            <p:ph type="body" idx="1"/>
-          </p:nvPr>
-        </p:nvSpPr>
-        <p:spPr/>
-        <p:txBody>
-          <a:bodyPr/>
-          <a:lstStyle/>
-          <a:p>
-            <a:endParaRPr lang="en-US" sz="1200" kern="1200" dirty="0">
-              <a:solidFill>
-                <a:schemeClr val="tx1"/>
-              </a:solidFill>
-              <a:effectLst/>
-              <a:latin typeface="+mn-lt"/>
-              <a:ea typeface="+mn-ea"/>
-              <a:cs typeface="+mn-cs"/>
-            </a:endParaRPr>
-          </a:p>
-        </p:txBody>
-      </p:sp>
-      <p:sp>
-        <p:nvSpPr>
-          <p:cNvPr id="4" name="Slide Number Placeholder 3"/>
-          <p:cNvSpPr>
-            <a:spLocks noGrp="1"/>
-          </p:cNvSpPr>
-          <p:nvPr>
-            <p:ph type="sldNum" sz="quarter" idx="10"/>
-          </p:nvPr>
-        </p:nvSpPr>
-        <p:spPr/>
-        <p:txBody>
-          <a:bodyPr/>
-          <a:lstStyle/>
-          <a:p>
-            <a:fld id="{00E1DFD8-B619-4FFF-B366-BDCC98D08110}" type="slidenum">
-              <a:rPr lang="en-US" smtClean="0"/>
-              <a:pPr/>
-              <a:t>21</a:t>
-            </a:fld>
-            <a:endParaRPr lang="en-US"/>
-          </a:p>
-        </p:txBody>
-      </p:sp>
-    </p:spTree>
-    <p:extLst>
-      <p:ext uri="{BB962C8B-B14F-4D97-AF65-F5344CB8AC3E}">
-        <p14:creationId xmlns:p14="http://schemas.microsoft.com/office/powerpoint/2010/main" val="4134257581"/>
       </p:ext>
     </p:extLst>
   </p:cSld>
@@ -10696,7 +10506,15 @@
           <a:bodyPr/>
           <a:lstStyle/>
           <a:p>
-            <a:endParaRPr lang="en-US" dirty="0"/>
+            <a:endParaRPr lang="en-US" sz="1200" kern="1200" dirty="0">
+              <a:solidFill>
+                <a:schemeClr val="tx1"/>
+              </a:solidFill>
+              <a:effectLst/>
+              <a:latin typeface="+mn-lt"/>
+              <a:ea typeface="+mn-ea"/>
+              <a:cs typeface="+mn-cs"/>
+            </a:endParaRPr>
           </a:p>
         </p:txBody>
       </p:sp>
@@ -10727,7 +10545,7 @@
     </p:spTree>
     <p:extLst>
       <p:ext uri="{BB962C8B-B14F-4D97-AF65-F5344CB8AC3E}">
-        <p14:creationId xmlns:p14="http://schemas.microsoft.com/office/powerpoint/2010/main" val="646372604"/>
+        <p14:creationId xmlns:p14="http://schemas.microsoft.com/office/powerpoint/2010/main" val="1732514322"/>
       </p:ext>
     </p:extLst>
   </p:cSld>
@@ -10916,7 +10734,7 @@
           <a:p>
             <a:fld id="{2F1F79F5-7BEC-496A-AFC7-876E38F64D71}" type="datetime1">
               <a:rPr lang="en-US" smtClean="0"/>
-              <a:t>8/9/2017</a:t>
+              <a:t>8/28/2017</a:t>
             </a:fld>
             <a:endParaRPr lang="en-US"/>
           </a:p>
@@ -11011,7 +10829,7 @@
           <a:p>
             <a:fld id="{0A05703A-7669-4FEA-9056-25299B4D29D4}" type="datetime1">
               <a:rPr lang="en-US" smtClean="0"/>
-              <a:t>8/9/2017</a:t>
+              <a:t>8/28/2017</a:t>
             </a:fld>
             <a:endParaRPr lang="en-US"/>
           </a:p>
@@ -11286,7 +11104,7 @@
           <a:p>
             <a:fld id="{6E5077B5-BB57-49DB-88CA-226A139E5C01}" type="datetime1">
               <a:rPr lang="en-US" smtClean="0"/>
-              <a:t>8/9/2017</a:t>
+              <a:t>8/28/2017</a:t>
             </a:fld>
             <a:endParaRPr lang="en-US"/>
           </a:p>
@@ -11538,7 +11356,7 @@
           <a:p>
             <a:fld id="{C48D9447-CBD6-49A1-89FD-8512A8CF8999}" type="datetime1">
               <a:rPr lang="en-US" smtClean="0"/>
-              <a:t>8/9/2017</a:t>
+              <a:t>8/28/2017</a:t>
             </a:fld>
             <a:endParaRPr lang="en-US"/>
           </a:p>
@@ -11706,7 +11524,7 @@
           <a:p>
             <a:fld id="{A3639A2A-823D-48B7-9ACE-7FAF42870BA9}" type="datetime1">
               <a:rPr lang="en-US" smtClean="0"/>
-              <a:t>8/9/2017</a:t>
+              <a:t>8/28/2017</a:t>
             </a:fld>
             <a:endParaRPr lang="en-US"/>
           </a:p>
@@ -11884,7 +11702,7 @@
           <a:p>
             <a:fld id="{ED1B6996-82E9-463C-972C-7B56056E426C}" type="datetime1">
               <a:rPr lang="en-US" smtClean="0"/>
-              <a:t>8/9/2017</a:t>
+              <a:t>8/28/2017</a:t>
             </a:fld>
             <a:endParaRPr lang="en-US"/>
           </a:p>
@@ -12124,7 +11942,7 @@
           <a:p>
             <a:fld id="{2F1F79F5-7BEC-496A-AFC7-876E38F64D71}" type="datetime1">
               <a:rPr lang="en-US" smtClean="0"/>
-              <a:t>8/9/2017</a:t>
+              <a:t>8/28/2017</a:t>
             </a:fld>
             <a:endParaRPr lang="en-US"/>
           </a:p>
@@ -12298,7 +12116,7 @@
           <a:p>
             <a:fld id="{E22ED4DA-448D-4BB1-B935-CC112220207B}" type="datetime1">
               <a:rPr lang="en-US" smtClean="0"/>
-              <a:t>8/9/2017</a:t>
+              <a:t>8/28/2017</a:t>
             </a:fld>
             <a:endParaRPr lang="en-US"/>
           </a:p>
@@ -12471,7 +12289,7 @@
           <a:p>
             <a:fld id="{E22ED4DA-448D-4BB1-B935-CC112220207B}" type="datetime1">
               <a:rPr lang="en-US" smtClean="0"/>
-              <a:t>8/9/2017</a:t>
+              <a:t>8/28/2017</a:t>
             </a:fld>
             <a:endParaRPr lang="en-US"/>
           </a:p>
@@ -12731,7 +12549,7 @@
           <a:p>
             <a:fld id="{FF5D65A6-AB94-4435-B0B7-3743215FA46C}" type="datetime1">
               <a:rPr lang="en-US" smtClean="0"/>
-              <a:t>8/9/2017</a:t>
+              <a:t>8/28/2017</a:t>
             </a:fld>
             <a:endParaRPr lang="en-US"/>
           </a:p>
@@ -12907,7 +12725,7 @@
           <a:p>
             <a:fld id="{FF5D65A6-AB94-4435-B0B7-3743215FA46C}" type="datetime1">
               <a:rPr lang="en-US" smtClean="0"/>
-              <a:t>8/9/2017</a:t>
+              <a:t>8/28/2017</a:t>
             </a:fld>
             <a:endParaRPr lang="en-US"/>
           </a:p>
@@ -13130,7 +12948,7 @@
           <a:p>
             <a:fld id="{E22ED4DA-448D-4BB1-B935-CC112220207B}" type="datetime1">
               <a:rPr lang="en-US" smtClean="0"/>
-              <a:t>8/9/2017</a:t>
+              <a:t>8/28/2017</a:t>
             </a:fld>
             <a:endParaRPr lang="en-US"/>
           </a:p>
@@ -13375,7 +13193,7 @@
           <a:p>
             <a:fld id="{7C193DC4-6EF0-48C9-B29C-616106A645E1}" type="datetime1">
               <a:rPr lang="en-US" smtClean="0"/>
-              <a:t>8/9/2017</a:t>
+              <a:t>8/28/2017</a:t>
             </a:fld>
             <a:endParaRPr lang="en-US"/>
           </a:p>
@@ -13660,7 +13478,7 @@
           <a:p>
             <a:fld id="{5D1846AD-9252-4647-9435-4C2AC365653A}" type="datetime1">
               <a:rPr lang="en-US" smtClean="0"/>
-              <a:t>8/9/2017</a:t>
+              <a:t>8/28/2017</a:t>
             </a:fld>
             <a:endParaRPr lang="en-US"/>
           </a:p>
@@ -14079,7 +13897,7 @@
           <a:p>
             <a:fld id="{CE56DC10-3561-4063-A6AF-C1CC7A41040A}" type="datetime1">
               <a:rPr lang="en-US" smtClean="0"/>
-              <a:t>8/9/2017</a:t>
+              <a:t>8/28/2017</a:t>
             </a:fld>
             <a:endParaRPr lang="en-US"/>
           </a:p>
@@ -14196,7 +14014,7 @@
           <a:p>
             <a:fld id="{2F7B77F5-1464-4F6B-92A8-64FC8A508293}" type="datetime1">
               <a:rPr lang="en-US" smtClean="0"/>
-              <a:t>8/9/2017</a:t>
+              <a:t>8/28/2017</a:t>
             </a:fld>
             <a:endParaRPr lang="en-US"/>
           </a:p>
@@ -14291,7 +14109,7 @@
           <a:p>
             <a:fld id="{0A05703A-7669-4FEA-9056-25299B4D29D4}" type="datetime1">
               <a:rPr lang="en-US" smtClean="0"/>
-              <a:t>8/9/2017</a:t>
+              <a:t>8/28/2017</a:t>
             </a:fld>
             <a:endParaRPr lang="en-US"/>
           </a:p>
@@ -14566,7 +14384,7 @@
           <a:p>
             <a:fld id="{6E5077B5-BB57-49DB-88CA-226A139E5C01}" type="datetime1">
               <a:rPr lang="en-US" smtClean="0"/>
-              <a:t>8/9/2017</a:t>
+              <a:t>8/28/2017</a:t>
             </a:fld>
             <a:endParaRPr lang="en-US"/>
           </a:p>
@@ -14818,7 +14636,7 @@
           <a:p>
             <a:fld id="{C48D9447-CBD6-49A1-89FD-8512A8CF8999}" type="datetime1">
               <a:rPr lang="en-US" smtClean="0"/>
-              <a:t>8/9/2017</a:t>
+              <a:t>8/28/2017</a:t>
             </a:fld>
             <a:endParaRPr lang="en-US"/>
           </a:p>
@@ -14986,7 +14804,7 @@
           <a:p>
             <a:fld id="{A3639A2A-823D-48B7-9ACE-7FAF42870BA9}" type="datetime1">
               <a:rPr lang="en-US" smtClean="0"/>
-              <a:t>8/9/2017</a:t>
+              <a:t>8/28/2017</a:t>
             </a:fld>
             <a:endParaRPr lang="en-US"/>
           </a:p>
@@ -15164,7 +14982,7 @@
           <a:p>
             <a:fld id="{ED1B6996-82E9-463C-972C-7B56056E426C}" type="datetime1">
               <a:rPr lang="en-US" smtClean="0"/>
-              <a:t>8/9/2017</a:t>
+              <a:t>8/28/2017</a:t>
             </a:fld>
             <a:endParaRPr lang="en-US"/>
           </a:p>
@@ -15337,7 +15155,7 @@
           <a:p>
             <a:fld id="{E22ED4DA-448D-4BB1-B935-CC112220207B}" type="datetime1">
               <a:rPr lang="en-US" smtClean="0"/>
-              <a:t>8/9/2017</a:t>
+              <a:t>8/28/2017</a:t>
             </a:fld>
             <a:endParaRPr lang="en-US"/>
           </a:p>
@@ -15597,7 +15415,7 @@
           <a:p>
             <a:fld id="{FF5D65A6-AB94-4435-B0B7-3743215FA46C}" type="datetime1">
               <a:rPr lang="en-US" smtClean="0"/>
-              <a:t>8/9/2017</a:t>
+              <a:t>8/28/2017</a:t>
             </a:fld>
             <a:endParaRPr lang="en-US"/>
           </a:p>
@@ -15773,7 +15591,7 @@
           <a:p>
             <a:fld id="{FF5D65A6-AB94-4435-B0B7-3743215FA46C}" type="datetime1">
               <a:rPr lang="en-US" smtClean="0"/>
-              <a:t>8/9/2017</a:t>
+              <a:t>8/28/2017</a:t>
             </a:fld>
             <a:endParaRPr lang="en-US"/>
           </a:p>
@@ -16067,7 +15885,7 @@
           <a:p>
             <a:fld id="{7C193DC4-6EF0-48C9-B29C-616106A645E1}" type="datetime1">
               <a:rPr lang="en-US" smtClean="0"/>
-              <a:t>8/9/2017</a:t>
+              <a:t>8/28/2017</a:t>
             </a:fld>
             <a:endParaRPr lang="en-US"/>
           </a:p>
@@ -16352,7 +16170,7 @@
           <a:p>
             <a:fld id="{5D1846AD-9252-4647-9435-4C2AC365653A}" type="datetime1">
               <a:rPr lang="en-US" smtClean="0"/>
-              <a:t>8/9/2017</a:t>
+              <a:t>8/28/2017</a:t>
             </a:fld>
             <a:endParaRPr lang="en-US"/>
           </a:p>
@@ -16771,7 +16589,7 @@
           <a:p>
             <a:fld id="{CE56DC10-3561-4063-A6AF-C1CC7A41040A}" type="datetime1">
               <a:rPr lang="en-US" smtClean="0"/>
-              <a:t>8/9/2017</a:t>
+              <a:t>8/28/2017</a:t>
             </a:fld>
             <a:endParaRPr lang="en-US"/>
           </a:p>
@@ -16888,7 +16706,7 @@
           <a:p>
             <a:fld id="{2F7B77F5-1464-4F6B-92A8-64FC8A508293}" type="datetime1">
               <a:rPr lang="en-US" smtClean="0"/>
-              <a:t>8/9/2017</a:t>
+              <a:t>8/28/2017</a:t>
             </a:fld>
             <a:endParaRPr lang="en-US"/>
           </a:p>
@@ -17111,7 +16929,7 @@
           <a:p>
             <a:fld id="{02B3F677-983B-48DB-ADFD-63FE6CBC7FB2}" type="datetime1">
               <a:rPr lang="en-US" smtClean="0"/>
-              <a:t>8/9/2017</a:t>
+              <a:t>8/28/2017</a:t>
             </a:fld>
             <a:endParaRPr lang="en-US"/>
           </a:p>
@@ -17635,7 +17453,7 @@
           <a:p>
             <a:fld id="{02B3F677-983B-48DB-ADFD-63FE6CBC7FB2}" type="datetime1">
               <a:rPr lang="en-US" smtClean="0"/>
-              <a:t>8/9/2017</a:t>
+              <a:t>8/28/2017</a:t>
             </a:fld>
             <a:endParaRPr lang="en-US"/>
           </a:p>
@@ -20941,384 +20759,6 @@
           <a:p>
             <a:r>
               <a:rPr lang="en-US" dirty="0"/>
-              <a:t>We could use HOFs, too</a:t>
-            </a:r>
-          </a:p>
-        </p:txBody>
-      </p:sp>
-      <p:sp>
-        <p:nvSpPr>
-          <p:cNvPr id="5" name="Content Placeholder 4"/>
-          <p:cNvSpPr>
-            <a:spLocks noGrp="1"/>
-          </p:cNvSpPr>
-          <p:nvPr>
-            <p:ph idx="1"/>
-          </p:nvPr>
-        </p:nvSpPr>
-        <p:spPr/>
-        <p:txBody>
-          <a:bodyPr>
-            <a:normAutofit/>
-          </a:bodyPr>
-          <a:lstStyle/>
-          <a:p>
-            <a:r>
-              <a:rPr lang="en-US" sz="1800" dirty="0"/>
-              <a:t>;; grandchildren : Person -&gt; </a:t>
-            </a:r>
-            <a:r>
-              <a:rPr lang="en-US" sz="1800" dirty="0" err="1"/>
-              <a:t>PersonList</a:t>
-            </a:r>
-            <a:endParaRPr lang="en-US" sz="1800" dirty="0"/>
-          </a:p>
-          <a:p>
-            <a:r>
-              <a:rPr lang="en-US" sz="1800" dirty="0"/>
-              <a:t>;; STRATEGY: Use template for Person on p</a:t>
-            </a:r>
-          </a:p>
-          <a:p>
-            <a:r>
-              <a:rPr lang="en-US" sz="1800" dirty="0"/>
-              <a:t>(define (</a:t>
-            </a:r>
-            <a:r>
-              <a:rPr lang="en-US" sz="1800" dirty="0">
-                <a:solidFill>
-                  <a:srgbClr val="FF0000"/>
-                </a:solidFill>
-              </a:rPr>
-              <a:t>grandchildren</a:t>
-            </a:r>
-            <a:r>
-              <a:rPr lang="en-US" sz="1800" dirty="0"/>
-              <a:t> p)</a:t>
-            </a:r>
-          </a:p>
-          <a:p>
-            <a:r>
-              <a:rPr lang="en-US" sz="1800" dirty="0"/>
-              <a:t>  (all-children (person-children p)))</a:t>
-            </a:r>
-          </a:p>
-          <a:p>
-            <a:endParaRPr lang="en-US" sz="1800" dirty="0"/>
-          </a:p>
-          <a:p>
-            <a:r>
-              <a:rPr lang="en-US" sz="1800" dirty="0"/>
-              <a:t>;; all-children : </a:t>
-            </a:r>
-            <a:r>
-              <a:rPr lang="en-US" sz="1800" dirty="0" err="1"/>
-              <a:t>PersonList</a:t>
-            </a:r>
-            <a:r>
-              <a:rPr lang="en-US" sz="1800" dirty="0"/>
-              <a:t> -&gt; </a:t>
-            </a:r>
-            <a:r>
-              <a:rPr lang="en-US" sz="1800" dirty="0" err="1"/>
-              <a:t>PersonList</a:t>
-            </a:r>
-            <a:endParaRPr lang="en-US" sz="1800" dirty="0"/>
-          </a:p>
-          <a:p>
-            <a:r>
-              <a:rPr lang="en-US" sz="1800" dirty="0"/>
-              <a:t>;; STRATEGY: Use HOF map on </a:t>
-            </a:r>
-            <a:r>
-              <a:rPr lang="en-US" sz="1800" dirty="0" err="1"/>
-              <a:t>ps</a:t>
-            </a:r>
-            <a:endParaRPr lang="en-US" sz="1800" dirty="0"/>
-          </a:p>
-          <a:p>
-            <a:r>
-              <a:rPr lang="en-US" sz="1800" dirty="0"/>
-              <a:t>(define (</a:t>
-            </a:r>
-            <a:r>
-              <a:rPr lang="en-US" sz="1800" dirty="0">
-                <a:solidFill>
-                  <a:schemeClr val="accent1"/>
-                </a:solidFill>
-              </a:rPr>
-              <a:t>all-children</a:t>
-            </a:r>
-            <a:r>
-              <a:rPr lang="en-US" sz="1800" dirty="0"/>
-              <a:t> </a:t>
-            </a:r>
-            <a:r>
-              <a:rPr lang="en-US" sz="1800" dirty="0" err="1"/>
-              <a:t>ps</a:t>
-            </a:r>
-            <a:r>
-              <a:rPr lang="en-US" sz="1800" dirty="0"/>
-              <a:t>)</a:t>
-            </a:r>
-          </a:p>
-          <a:p>
-            <a:r>
-              <a:rPr lang="en-US" sz="1800" dirty="0"/>
-              <a:t>  (</a:t>
-            </a:r>
-            <a:r>
-              <a:rPr lang="en-US" sz="1800" dirty="0" err="1"/>
-              <a:t>foldr</a:t>
-            </a:r>
-            <a:r>
-              <a:rPr lang="en-US" sz="1800" dirty="0"/>
-              <a:t> append empty</a:t>
-            </a:r>
-          </a:p>
-          <a:p>
-            <a:r>
-              <a:rPr lang="en-US" sz="1800" dirty="0"/>
-              <a:t>    (map person-children </a:t>
-            </a:r>
-            <a:r>
-              <a:rPr lang="en-US" sz="1800" dirty="0" err="1"/>
-              <a:t>ps</a:t>
-            </a:r>
-            <a:r>
-              <a:rPr lang="en-US" sz="1800" dirty="0"/>
-              <a:t>)))</a:t>
-            </a:r>
-          </a:p>
-          <a:p>
-            <a:r>
-              <a:rPr lang="en-US" sz="1800" dirty="0"/>
-              <a:t>  </a:t>
-            </a:r>
-          </a:p>
-        </p:txBody>
-      </p:sp>
-      <p:sp>
-        <p:nvSpPr>
-          <p:cNvPr id="3" name="Slide Number Placeholder 2"/>
-          <p:cNvSpPr>
-            <a:spLocks noGrp="1"/>
-          </p:cNvSpPr>
-          <p:nvPr>
-            <p:ph type="sldNum" sz="quarter" idx="12"/>
-          </p:nvPr>
-        </p:nvSpPr>
-        <p:spPr/>
-        <p:txBody>
-          <a:bodyPr/>
-          <a:lstStyle/>
-          <a:p>
-            <a:fld id="{9F4492BD-6A9C-48FC-AC76-0B4FE11194A1}" type="slidenum">
-              <a:rPr lang="en-US" smtClean="0"/>
-              <a:pPr/>
-              <a:t>15</a:t>
-            </a:fld>
-            <a:endParaRPr lang="en-US"/>
-          </a:p>
-        </p:txBody>
-      </p:sp>
-      <p:sp>
-        <p:nvSpPr>
-          <p:cNvPr id="7" name="Rectangle 6"/>
-          <p:cNvSpPr/>
-          <p:nvPr/>
-        </p:nvSpPr>
-        <p:spPr>
-          <a:xfrm>
-            <a:off x="5715000" y="4038600"/>
-            <a:ext cx="3048000" cy="1600200"/>
-          </a:xfrm>
-          <a:prstGeom prst="rect">
-            <a:avLst/>
-          </a:prstGeom>
-          <a:solidFill>
-            <a:schemeClr val="accent3">
-              <a:lumMod val="40000"/>
-              <a:lumOff val="60000"/>
-            </a:schemeClr>
-          </a:solidFill>
-          <a:ln/>
-        </p:spPr>
-        <p:style>
-          <a:lnRef idx="2">
-            <a:schemeClr val="accent1"/>
-          </a:lnRef>
-          <a:fillRef idx="1">
-            <a:schemeClr val="lt1"/>
-          </a:fillRef>
-          <a:effectRef idx="0">
-            <a:schemeClr val="accent1"/>
-          </a:effectRef>
-          <a:fontRef idx="minor">
-            <a:schemeClr val="dk1"/>
-          </a:fontRef>
-        </p:style>
-        <p:txBody>
-          <a:bodyPr rot="0" spcFirstLastPara="0" vertOverflow="overflow" horzOverflow="overflow" vert="horz" wrap="square" lIns="91440" tIns="45720" rIns="91440" bIns="45720" numCol="1" spcCol="0" rtlCol="0" fromWordArt="0" anchor="ctr" anchorCtr="0" forceAA="0" compatLnSpc="1">
-            <a:prstTxWarp prst="textNoShape">
-              <a:avLst/>
-            </a:prstTxWarp>
-            <a:noAutofit/>
-          </a:bodyPr>
-          <a:lstStyle/>
-          <a:p>
-            <a:r>
-              <a:rPr lang="en-US" dirty="0"/>
-              <a:t>Of course, a </a:t>
-            </a:r>
-            <a:r>
-              <a:rPr lang="en-US" b="1" dirty="0" err="1"/>
-              <a:t>PersonList</a:t>
-            </a:r>
-            <a:r>
-              <a:rPr lang="en-US" dirty="0"/>
-              <a:t> is a list, so we can use our list abstractions to define </a:t>
-            </a:r>
-            <a:r>
-              <a:rPr lang="en-US" b="1" dirty="0"/>
-              <a:t>all-children</a:t>
-            </a:r>
-            <a:r>
-              <a:rPr lang="en-US" dirty="0"/>
-              <a:t>.   This will often be the case.</a:t>
-            </a:r>
-          </a:p>
-        </p:txBody>
-      </p:sp>
-      <p:sp>
-        <p:nvSpPr>
-          <p:cNvPr id="4" name="&quot;Not Allowed&quot; Symbol 3"/>
-          <p:cNvSpPr/>
-          <p:nvPr/>
-        </p:nvSpPr>
-        <p:spPr>
-          <a:xfrm>
-            <a:off x="2133600" y="1752600"/>
-            <a:ext cx="3200400" cy="2743200"/>
-          </a:xfrm>
-          <a:prstGeom prst="noSmoking">
-            <a:avLst/>
-          </a:prstGeom>
-          <a:solidFill>
-            <a:srgbClr val="FFFF00"/>
-          </a:solidFill>
-          <a:ln/>
-        </p:spPr>
-        <p:style>
-          <a:lnRef idx="2">
-            <a:schemeClr val="accent1"/>
-          </a:lnRef>
-          <a:fillRef idx="1">
-            <a:schemeClr val="lt1"/>
-          </a:fillRef>
-          <a:effectRef idx="0">
-            <a:schemeClr val="accent1"/>
-          </a:effectRef>
-          <a:fontRef idx="minor">
-            <a:schemeClr val="dk1"/>
-          </a:fontRef>
-        </p:style>
-        <p:txBody>
-          <a:bodyPr rot="0" spcFirstLastPara="0" vertOverflow="overflow" horzOverflow="overflow" vert="horz" wrap="square" lIns="91440" tIns="45720" rIns="91440" bIns="45720" numCol="1" spcCol="0" rtlCol="0" fromWordArt="0" anchor="ctr" anchorCtr="0" forceAA="0" compatLnSpc="1">
-            <a:prstTxWarp prst="textNoShape">
-              <a:avLst/>
-            </a:prstTxWarp>
-            <a:noAutofit/>
-          </a:bodyPr>
-          <a:lstStyle/>
-          <a:p>
-            <a:pPr algn="ctr"/>
-            <a:endParaRPr lang="en-US" dirty="0">
-              <a:solidFill>
-                <a:schemeClr val="tx1"/>
-              </a:solidFill>
-            </a:endParaRPr>
-          </a:p>
-        </p:txBody>
-      </p:sp>
-      <p:sp>
-        <p:nvSpPr>
-          <p:cNvPr id="6" name="TextBox 5"/>
-          <p:cNvSpPr txBox="1"/>
-          <p:nvPr/>
-        </p:nvSpPr>
-        <p:spPr>
-          <a:xfrm>
-            <a:off x="5943600" y="1752600"/>
-            <a:ext cx="2743200" cy="646331"/>
-          </a:xfrm>
-          <a:prstGeom prst="rect">
-            <a:avLst/>
-          </a:prstGeom>
-          <a:solidFill>
-            <a:srgbClr val="FFFF00"/>
-          </a:solidFill>
-        </p:spPr>
-        <p:txBody>
-          <a:bodyPr wrap="square" rtlCol="0">
-            <a:spAutoFit/>
-          </a:bodyPr>
-          <a:lstStyle/>
-          <a:p>
-            <a:r>
-              <a:rPr lang="en-US" dirty="0"/>
-              <a:t>I've moved HOFs to Week 6, after trees.</a:t>
-            </a:r>
-          </a:p>
-        </p:txBody>
-      </p:sp>
-    </p:spTree>
-    <p:extLst>
-      <p:ext uri="{BB962C8B-B14F-4D97-AF65-F5344CB8AC3E}">
-        <p14:creationId xmlns:p14="http://schemas.microsoft.com/office/powerpoint/2010/main" val="3141218861"/>
-      </p:ext>
-    </p:extLst>
-  </p:cSld>
-  <p:clrMapOvr>
-    <a:masterClrMapping/>
-  </p:clrMapOvr>
-</p:sld>
-</file>
-
-<file path=ppt/slides/slide16.xml><?xml version="1.0" encoding="utf-8"?>
-<p:sld xmlns:a="http://schemas.openxmlformats.org/drawingml/2006/main" xmlns:r="http://schemas.openxmlformats.org/officeDocument/2006/relationships" xmlns:p="http://schemas.openxmlformats.org/presentationml/2006/main">
-  <p:cSld>
-    <p:spTree>
-      <p:nvGrpSpPr>
-        <p:cNvPr id="1" name=""/>
-        <p:cNvGrpSpPr/>
-        <p:nvPr/>
-      </p:nvGrpSpPr>
-      <p:grpSpPr>
-        <a:xfrm>
-          <a:off x="0" y="0"/>
-          <a:ext cx="0" cy="0"/>
-          <a:chOff x="0" y="0"/>
-          <a:chExt cx="0" cy="0"/>
-        </a:xfrm>
-      </p:grpSpPr>
-      <p:sp>
-        <p:nvSpPr>
-          <p:cNvPr id="2" name="Title 1"/>
-          <p:cNvSpPr>
-            <a:spLocks noGrp="1"/>
-          </p:cNvSpPr>
-          <p:nvPr>
-            <p:ph type="title"/>
-          </p:nvPr>
-        </p:nvSpPr>
-        <p:spPr/>
-        <p:txBody>
-          <a:bodyPr/>
-          <a:lstStyle/>
-          <a:p>
-            <a:r>
-              <a:rPr lang="en-US" dirty="0"/>
               <a:t>descendants</a:t>
             </a:r>
           </a:p>
@@ -21395,7 +20835,7 @@
           <a:p>
             <a:fld id="{C1D4534E-1B22-4A44-850A-B3E8E9EE687A}" type="slidenum">
               <a:rPr lang="en-US" smtClean="0"/>
-              <a:t>16</a:t>
+              <a:t>15</a:t>
             </a:fld>
             <a:endParaRPr lang="en-US"/>
           </a:p>
@@ -21470,7 +20910,7 @@
 </p:sld>
 </file>
 
-<file path=ppt/slides/slide17.xml><?xml version="1.0" encoding="utf-8"?>
+<file path=ppt/slides/slide16.xml><?xml version="1.0" encoding="utf-8"?>
 <p:sld xmlns:a="http://schemas.openxmlformats.org/drawingml/2006/main" xmlns:r="http://schemas.openxmlformats.org/officeDocument/2006/relationships" xmlns:p="http://schemas.openxmlformats.org/presentationml/2006/main">
   <p:cSld>
     <p:spTree>
@@ -21684,7 +21124,7 @@
           <a:p>
             <a:fld id="{C1D4534E-1B22-4A44-850A-B3E8E9EE687A}" type="slidenum">
               <a:rPr lang="en-US" smtClean="0"/>
-              <a:t>17</a:t>
+              <a:t>16</a:t>
             </a:fld>
             <a:endParaRPr lang="en-US"/>
           </a:p>
@@ -21787,7 +21227,7 @@
 </p:sld>
 </file>
 
-<file path=ppt/slides/slide18.xml><?xml version="1.0" encoding="utf-8"?>
+<file path=ppt/slides/slide17.xml><?xml version="1.0" encoding="utf-8"?>
 <p:sld xmlns:a="http://schemas.openxmlformats.org/drawingml/2006/main" xmlns:r="http://schemas.openxmlformats.org/officeDocument/2006/relationships" xmlns:p="http://schemas.openxmlformats.org/presentationml/2006/main">
   <p:cSld>
     <p:spTree>
@@ -22025,7 +21465,7 @@
           <a:p>
             <a:fld id="{C1D4534E-1B22-4A44-850A-B3E8E9EE687A}" type="slidenum">
               <a:rPr lang="en-US" smtClean="0"/>
-              <a:t>18</a:t>
+              <a:t>17</a:t>
             </a:fld>
             <a:endParaRPr lang="en-US"/>
           </a:p>
@@ -22066,7 +21506,7 @@
 </p:sld>
 </file>
 
-<file path=ppt/slides/slide19.xml><?xml version="1.0" encoding="utf-8"?>
+<file path=ppt/slides/slide18.xml><?xml version="1.0" encoding="utf-8"?>
 <p:sld xmlns:a="http://schemas.openxmlformats.org/drawingml/2006/main" xmlns:r="http://schemas.openxmlformats.org/officeDocument/2006/relationships" xmlns:p="http://schemas.openxmlformats.org/presentationml/2006/main">
   <p:cSld>
     <p:spTree>
@@ -22455,7 +21895,7 @@
           <a:p>
             <a:fld id="{C1D4534E-1B22-4A44-850A-B3E8E9EE687A}" type="slidenum">
               <a:rPr lang="en-US" smtClean="0"/>
-              <a:t>19</a:t>
+              <a:t>18</a:t>
             </a:fld>
             <a:endParaRPr lang="en-US"/>
           </a:p>
@@ -23051,148 +22491,7 @@
 </p:sld>
 </file>
 
-<file path=ppt/slides/slide2.xml><?xml version="1.0" encoding="utf-8"?>
-<p:sld xmlns:a="http://schemas.openxmlformats.org/drawingml/2006/main" xmlns:r="http://schemas.openxmlformats.org/officeDocument/2006/relationships" xmlns:p="http://schemas.openxmlformats.org/presentationml/2006/main">
-  <p:cSld>
-    <p:spTree>
-      <p:nvGrpSpPr>
-        <p:cNvPr id="1" name=""/>
-        <p:cNvGrpSpPr/>
-        <p:nvPr/>
-      </p:nvGrpSpPr>
-      <p:grpSpPr>
-        <a:xfrm>
-          <a:off x="0" y="0"/>
-          <a:ext cx="0" cy="0"/>
-          <a:chOff x="0" y="0"/>
-          <a:chExt cx="0" cy="0"/>
-        </a:xfrm>
-      </p:grpSpPr>
-      <p:sp>
-        <p:nvSpPr>
-          <p:cNvPr id="2" name="Title 1"/>
-          <p:cNvSpPr>
-            <a:spLocks noGrp="1"/>
-          </p:cNvSpPr>
-          <p:nvPr>
-            <p:ph type="title"/>
-          </p:nvPr>
-        </p:nvSpPr>
-        <p:spPr/>
-        <p:txBody>
-          <a:bodyPr/>
-          <a:lstStyle/>
-          <a:p>
-            <a:r>
-              <a:rPr lang="en-US" dirty="0"/>
-              <a:t>Introduction</a:t>
-            </a:r>
-          </a:p>
-        </p:txBody>
-      </p:sp>
-      <p:sp>
-        <p:nvSpPr>
-          <p:cNvPr id="3" name="Content Placeholder 2"/>
-          <p:cNvSpPr>
-            <a:spLocks noGrp="1"/>
-          </p:cNvSpPr>
-          <p:nvPr>
-            <p:ph idx="1"/>
-          </p:nvPr>
-        </p:nvSpPr>
-        <p:spPr/>
-        <p:txBody>
-          <a:bodyPr>
-            <a:normAutofit fontScale="92500" lnSpcReduction="20000"/>
-          </a:bodyPr>
-          <a:lstStyle/>
-          <a:p>
-            <a:r>
-              <a:rPr lang="en-US" dirty="0"/>
-              <a:t>We've talked about binary trees</a:t>
-            </a:r>
-          </a:p>
-          <a:p>
-            <a:r>
-              <a:rPr lang="en-US" dirty="0"/>
-              <a:t>Sometimes, we need to construct trees in which each node has an unbounded number of sons.  We call these </a:t>
-            </a:r>
-            <a:r>
-              <a:rPr lang="en-US" i="1" dirty="0"/>
-              <a:t>multi-way trees</a:t>
-            </a:r>
-            <a:r>
-              <a:rPr lang="en-US" dirty="0"/>
-              <a:t>.</a:t>
-            </a:r>
-          </a:p>
-          <a:p>
-            <a:pPr lvl="1"/>
-            <a:r>
-              <a:rPr lang="en-US" dirty="0"/>
-              <a:t>example: a file system, in which a directory can have any number of files or directories in it.</a:t>
-            </a:r>
-          </a:p>
-          <a:p>
-            <a:pPr lvl="1"/>
-            <a:r>
-              <a:rPr lang="en-US" dirty="0"/>
-              <a:t>an XML item.</a:t>
-            </a:r>
-          </a:p>
-          <a:p>
-            <a:pPr lvl="1"/>
-            <a:r>
-              <a:rPr lang="en-US" dirty="0"/>
-              <a:t>a JSON object is a multi-way tree (with additional structure, represented as a string).</a:t>
-            </a:r>
-          </a:p>
-          <a:p>
-            <a:pPr lvl="1"/>
-            <a:r>
-              <a:rPr lang="en-US" dirty="0"/>
-              <a:t>in this lesson, we'll do a case study of one application of multi-way trees.</a:t>
-            </a:r>
-          </a:p>
-        </p:txBody>
-      </p:sp>
-      <p:sp>
-        <p:nvSpPr>
-          <p:cNvPr id="4" name="Slide Number Placeholder 3"/>
-          <p:cNvSpPr>
-            <a:spLocks noGrp="1"/>
-          </p:cNvSpPr>
-          <p:nvPr>
-            <p:ph type="sldNum" sz="quarter" idx="12"/>
-          </p:nvPr>
-        </p:nvSpPr>
-        <p:spPr/>
-        <p:txBody>
-          <a:bodyPr/>
-          <a:lstStyle/>
-          <a:p>
-            <a:fld id="{C1D4534E-1B22-4A44-850A-B3E8E9EE687A}" type="slidenum">
-              <a:rPr lang="en-US" smtClean="0"/>
-              <a:t>2</a:t>
-            </a:fld>
-            <a:endParaRPr lang="en-US"/>
-          </a:p>
-        </p:txBody>
-      </p:sp>
-    </p:spTree>
-    <p:extLst>
-      <p:ext uri="{BB962C8B-B14F-4D97-AF65-F5344CB8AC3E}">
-        <p14:creationId xmlns:p14="http://schemas.microsoft.com/office/powerpoint/2010/main" val="3625526277"/>
-      </p:ext>
-    </p:extLst>
-  </p:cSld>
-  <p:clrMapOvr>
-    <a:masterClrMapping/>
-  </p:clrMapOvr>
-</p:sld>
-</file>
-
-<file path=ppt/slides/slide20.xml><?xml version="1.0" encoding="utf-8"?>
+<file path=ppt/slides/slide19.xml><?xml version="1.0" encoding="utf-8"?>
 <p:sld xmlns:a="http://schemas.openxmlformats.org/drawingml/2006/main" xmlns:r="http://schemas.openxmlformats.org/officeDocument/2006/relationships" xmlns:p="http://schemas.openxmlformats.org/presentationml/2006/main">
   <p:cSld>
     <p:spTree>
@@ -24112,7 +23411,7 @@
           <a:p>
             <a:fld id="{C1D4534E-1B22-4A44-850A-B3E8E9EE687A}" type="slidenum">
               <a:rPr lang="en-US" smtClean="0"/>
-              <a:t>20</a:t>
+              <a:t>19</a:t>
             </a:fld>
             <a:endParaRPr lang="en-US"/>
           </a:p>
@@ -24410,7 +23709,7 @@
 </p:sld>
 </file>
 
-<file path=ppt/slides/slide21.xml><?xml version="1.0" encoding="utf-8"?>
+<file path=ppt/slides/slide2.xml><?xml version="1.0" encoding="utf-8"?>
 <p:sld xmlns:a="http://schemas.openxmlformats.org/drawingml/2006/main" xmlns:r="http://schemas.openxmlformats.org/officeDocument/2006/relationships" xmlns:p="http://schemas.openxmlformats.org/presentationml/2006/main">
   <p:cSld>
     <p:spTree>
@@ -24444,7 +23743,7 @@
           <a:p>
             <a:r>
               <a:rPr lang="en-US" dirty="0"/>
-              <a:t>Or, with the HOFs</a:t>
+              <a:t>Introduction</a:t>
             </a:r>
           </a:p>
         </p:txBody>
@@ -24462,253 +23761,62 @@
         <p:spPr/>
         <p:txBody>
           <a:bodyPr>
-            <a:normAutofit/>
+            <a:normAutofit fontScale="92500" lnSpcReduction="20000"/>
           </a:bodyPr>
           <a:lstStyle/>
           <a:p>
-            <a:pPr>
-              <a:buNone/>
-            </a:pPr>
-            <a:r>
-              <a:rPr lang="en-US" sz="2000" b="1" dirty="0">
-                <a:latin typeface="Consolas" pitchFamily="49" charset="0"/>
-                <a:cs typeface="Consolas" pitchFamily="49" charset="0"/>
-              </a:rPr>
-              <a:t>;; Person -&gt; </a:t>
-            </a:r>
-            <a:r>
-              <a:rPr lang="en-US" sz="2000" b="1" dirty="0" err="1">
-                <a:latin typeface="Consolas" pitchFamily="49" charset="0"/>
-                <a:cs typeface="Consolas" pitchFamily="49" charset="0"/>
-              </a:rPr>
-              <a:t>PersonList</a:t>
-            </a:r>
-            <a:endParaRPr lang="en-US" sz="2000" b="1" dirty="0">
-              <a:latin typeface="Consolas" pitchFamily="49" charset="0"/>
-              <a:cs typeface="Consolas" pitchFamily="49" charset="0"/>
-            </a:endParaRPr>
-          </a:p>
-          <a:p>
-            <a:pPr>
-              <a:buNone/>
-            </a:pPr>
-            <a:r>
-              <a:rPr lang="en-US" sz="2000" b="1" dirty="0">
-                <a:latin typeface="Consolas" pitchFamily="49" charset="0"/>
-                <a:cs typeface="Consolas" pitchFamily="49" charset="0"/>
-              </a:rPr>
-              <a:t>;; STRATEGY: Use template for Person on p</a:t>
-            </a:r>
-          </a:p>
-          <a:p>
-            <a:pPr>
-              <a:buNone/>
-            </a:pPr>
-            <a:r>
-              <a:rPr lang="en-US" sz="2000" b="1" dirty="0">
-                <a:latin typeface="Consolas" pitchFamily="49" charset="0"/>
-                <a:cs typeface="Consolas" pitchFamily="49" charset="0"/>
-              </a:rPr>
-              <a:t>(define (person-descendants p)</a:t>
-            </a:r>
-          </a:p>
-          <a:p>
-            <a:pPr>
-              <a:buNone/>
-            </a:pPr>
-            <a:r>
-              <a:rPr lang="en-US" sz="2000" b="1" dirty="0">
-                <a:latin typeface="Consolas" pitchFamily="49" charset="0"/>
-                <a:cs typeface="Consolas" pitchFamily="49" charset="0"/>
-              </a:rPr>
-              <a:t>  (append</a:t>
-            </a:r>
-          </a:p>
-          <a:p>
-            <a:pPr>
-              <a:buNone/>
-            </a:pPr>
-            <a:r>
-              <a:rPr lang="en-US" sz="2000" b="1" dirty="0">
-                <a:latin typeface="Consolas" pitchFamily="49" charset="0"/>
-                <a:cs typeface="Consolas" pitchFamily="49" charset="0"/>
-              </a:rPr>
-              <a:t>   (person-children p)</a:t>
-            </a:r>
-          </a:p>
-          <a:p>
-            <a:pPr>
-              <a:buNone/>
-            </a:pPr>
-            <a:r>
-              <a:rPr lang="en-US" sz="2000" b="1" dirty="0">
-                <a:latin typeface="Consolas" pitchFamily="49" charset="0"/>
-                <a:cs typeface="Consolas" pitchFamily="49" charset="0"/>
-              </a:rPr>
-              <a:t>   (all-descendants (person-children p))))</a:t>
-            </a:r>
-          </a:p>
-          <a:p>
-            <a:pPr>
-              <a:buNone/>
-            </a:pPr>
-            <a:endParaRPr lang="en-US" sz="2000" b="1" dirty="0">
-              <a:latin typeface="Consolas" pitchFamily="49" charset="0"/>
-              <a:cs typeface="Consolas" pitchFamily="49" charset="0"/>
-            </a:endParaRPr>
-          </a:p>
-          <a:p>
-            <a:pPr>
-              <a:buNone/>
-            </a:pPr>
-            <a:r>
-              <a:rPr lang="en-US" sz="2000" b="1" dirty="0">
-                <a:latin typeface="Consolas" pitchFamily="49" charset="0"/>
-                <a:cs typeface="Consolas" pitchFamily="49" charset="0"/>
-              </a:rPr>
-              <a:t>;; </a:t>
-            </a:r>
-            <a:r>
-              <a:rPr lang="en-US" sz="2000" b="1" dirty="0" err="1">
-                <a:latin typeface="Consolas" pitchFamily="49" charset="0"/>
-                <a:cs typeface="Consolas" pitchFamily="49" charset="0"/>
-              </a:rPr>
-              <a:t>PersonList</a:t>
-            </a:r>
-            <a:r>
-              <a:rPr lang="en-US" sz="2000" b="1" dirty="0">
-                <a:latin typeface="Consolas" pitchFamily="49" charset="0"/>
-                <a:cs typeface="Consolas" pitchFamily="49" charset="0"/>
-              </a:rPr>
-              <a:t> -&gt; </a:t>
-            </a:r>
-            <a:r>
-              <a:rPr lang="en-US" sz="2000" b="1" dirty="0" err="1">
-                <a:latin typeface="Consolas" pitchFamily="49" charset="0"/>
-                <a:cs typeface="Consolas" pitchFamily="49" charset="0"/>
-              </a:rPr>
-              <a:t>PersonList</a:t>
-            </a:r>
-            <a:endParaRPr lang="en-US" sz="2000" b="1" dirty="0">
-              <a:latin typeface="Consolas" pitchFamily="49" charset="0"/>
-              <a:cs typeface="Consolas" pitchFamily="49" charset="0"/>
-            </a:endParaRPr>
-          </a:p>
-          <a:p>
-            <a:pPr>
-              <a:buNone/>
-            </a:pPr>
-            <a:r>
-              <a:rPr lang="en-US" sz="2000" b="1" dirty="0">
-                <a:latin typeface="Consolas" pitchFamily="49" charset="0"/>
-                <a:cs typeface="Consolas" pitchFamily="49" charset="0"/>
-              </a:rPr>
-              <a:t>;; STRATEGY: Use HOF map followed by </a:t>
-            </a:r>
-            <a:r>
-              <a:rPr lang="en-US" sz="2000" b="1" dirty="0" err="1">
-                <a:latin typeface="Consolas" pitchFamily="49" charset="0"/>
-                <a:cs typeface="Consolas" pitchFamily="49" charset="0"/>
-              </a:rPr>
-              <a:t>foldr</a:t>
-            </a:r>
-            <a:endParaRPr lang="en-US" sz="2000" b="1" dirty="0">
-              <a:latin typeface="Consolas" pitchFamily="49" charset="0"/>
-              <a:cs typeface="Consolas" pitchFamily="49" charset="0"/>
-            </a:endParaRPr>
-          </a:p>
-          <a:p>
-            <a:pPr>
-              <a:buNone/>
-            </a:pPr>
-            <a:r>
-              <a:rPr lang="en-US" sz="2000" b="1" dirty="0">
-                <a:latin typeface="Consolas" pitchFamily="49" charset="0"/>
-                <a:cs typeface="Consolas" pitchFamily="49" charset="0"/>
-              </a:rPr>
-              <a:t>(define (all-descendants </a:t>
-            </a:r>
-            <a:r>
-              <a:rPr lang="en-US" sz="2000" b="1" dirty="0" err="1">
-                <a:latin typeface="Consolas" pitchFamily="49" charset="0"/>
-                <a:cs typeface="Consolas" pitchFamily="49" charset="0"/>
-              </a:rPr>
-              <a:t>ps</a:t>
-            </a:r>
-            <a:r>
-              <a:rPr lang="en-US" sz="2000" b="1" dirty="0">
-                <a:latin typeface="Consolas" pitchFamily="49" charset="0"/>
-                <a:cs typeface="Consolas" pitchFamily="49" charset="0"/>
-              </a:rPr>
-              <a:t>)</a:t>
-            </a:r>
-          </a:p>
-          <a:p>
-            <a:pPr>
-              <a:buNone/>
-            </a:pPr>
-            <a:r>
-              <a:rPr lang="en-US" sz="2000" b="1" dirty="0">
-                <a:latin typeface="Consolas" pitchFamily="49" charset="0"/>
-                <a:cs typeface="Consolas" pitchFamily="49" charset="0"/>
-              </a:rPr>
-              <a:t>  (</a:t>
-            </a:r>
-            <a:r>
-              <a:rPr lang="en-US" sz="2000" b="1" dirty="0" err="1">
-                <a:latin typeface="Consolas" pitchFamily="49" charset="0"/>
-                <a:cs typeface="Consolas" pitchFamily="49" charset="0"/>
-              </a:rPr>
-              <a:t>foldr</a:t>
-            </a:r>
-            <a:r>
-              <a:rPr lang="en-US" sz="2000" b="1" dirty="0">
-                <a:latin typeface="Consolas" pitchFamily="49" charset="0"/>
-                <a:cs typeface="Consolas" pitchFamily="49" charset="0"/>
-              </a:rPr>
-              <a:t> append empty</a:t>
-            </a:r>
-          </a:p>
-          <a:p>
-            <a:pPr>
-              <a:buNone/>
-            </a:pPr>
-            <a:r>
-              <a:rPr lang="en-US" sz="2000" b="1" dirty="0">
-                <a:latin typeface="Consolas" pitchFamily="49" charset="0"/>
-                <a:cs typeface="Consolas" pitchFamily="49" charset="0"/>
-              </a:rPr>
-              <a:t>    (map person-descendants </a:t>
-            </a:r>
-            <a:r>
-              <a:rPr lang="en-US" sz="2000" b="1" dirty="0" err="1">
-                <a:latin typeface="Consolas" pitchFamily="49" charset="0"/>
-                <a:cs typeface="Consolas" pitchFamily="49" charset="0"/>
-              </a:rPr>
-              <a:t>ps</a:t>
-            </a:r>
-            <a:r>
-              <a:rPr lang="en-US" sz="2000" b="1" dirty="0">
-                <a:latin typeface="Consolas" pitchFamily="49" charset="0"/>
-                <a:cs typeface="Consolas" pitchFamily="49" charset="0"/>
-              </a:rPr>
-              <a:t>)))</a:t>
-            </a:r>
-          </a:p>
-          <a:p>
-            <a:pPr>
-              <a:buNone/>
-            </a:pPr>
-            <a:endParaRPr lang="en-US" sz="2000" b="1" dirty="0">
-              <a:latin typeface="Courier New" pitchFamily="49" charset="0"/>
-              <a:cs typeface="Courier New" pitchFamily="49" charset="0"/>
-            </a:endParaRPr>
+            <a:r>
+              <a:rPr lang="en-US" dirty="0"/>
+              <a:t>We've talked about binary trees</a:t>
+            </a:r>
+          </a:p>
+          <a:p>
+            <a:r>
+              <a:rPr lang="en-US" dirty="0"/>
+              <a:t>Sometimes, we need to construct trees in which each node has an unbounded number of sons.  We call these </a:t>
+            </a:r>
+            <a:r>
+              <a:rPr lang="en-US" i="1" dirty="0"/>
+              <a:t>multi-way trees</a:t>
+            </a:r>
+            <a:r>
+              <a:rPr lang="en-US" dirty="0"/>
+              <a:t>.</a:t>
+            </a:r>
+          </a:p>
+          <a:p>
+            <a:pPr lvl="1"/>
+            <a:r>
+              <a:rPr lang="en-US" dirty="0"/>
+              <a:t>example: a file system, in which a directory can have any number of files or directories in it.</a:t>
+            </a:r>
+          </a:p>
+          <a:p>
+            <a:pPr lvl="1"/>
+            <a:r>
+              <a:rPr lang="en-US" dirty="0"/>
+              <a:t>an XML item.</a:t>
+            </a:r>
+          </a:p>
+          <a:p>
+            <a:pPr lvl="1"/>
+            <a:r>
+              <a:rPr lang="en-US" dirty="0"/>
+              <a:t>a JSON object is a multi-way tree (with additional structure, represented as a string).</a:t>
+            </a:r>
+          </a:p>
+          <a:p>
+            <a:pPr lvl="1"/>
+            <a:r>
+              <a:rPr lang="en-US" dirty="0"/>
+              <a:t>in this lesson, we'll do a case study of one application of multi-way trees.</a:t>
+            </a:r>
           </a:p>
         </p:txBody>
       </p:sp>
       <p:sp>
         <p:nvSpPr>
-          <p:cNvPr id="5" name="Slide Number Placeholder 4"/>
+          <p:cNvPr id="4" name="Slide Number Placeholder 3"/>
           <p:cNvSpPr>
             <a:spLocks noGrp="1"/>
           </p:cNvSpPr>
@@ -24723,379 +23831,26 @@
           <a:p>
             <a:fld id="{C1D4534E-1B22-4A44-850A-B3E8E9EE687A}" type="slidenum">
               <a:rPr lang="en-US" smtClean="0"/>
-              <a:t>21</a:t>
+              <a:t>2</a:t>
             </a:fld>
             <a:endParaRPr lang="en-US"/>
-          </a:p>
-        </p:txBody>
-      </p:sp>
-      <p:sp>
-        <p:nvSpPr>
-          <p:cNvPr id="7" name="Right Arrow 6"/>
-          <p:cNvSpPr/>
-          <p:nvPr/>
-        </p:nvSpPr>
-        <p:spPr>
-          <a:xfrm rot="4679866">
-            <a:off x="1864402" y="4142830"/>
-            <a:ext cx="1104542" cy="484632"/>
-          </a:xfrm>
-          <a:prstGeom prst="rightArrow">
-            <a:avLst/>
-          </a:prstGeom>
-          <a:solidFill>
-            <a:schemeClr val="accent1">
-              <a:alpha val="50000"/>
-            </a:schemeClr>
-          </a:solidFill>
-          <a:ln w="12700">
-            <a:solidFill>
-              <a:schemeClr val="tx1"/>
-            </a:solidFill>
-          </a:ln>
-        </p:spPr>
-        <p:style>
-          <a:lnRef idx="2">
-            <a:schemeClr val="accent1">
-              <a:shade val="50000"/>
-            </a:schemeClr>
-          </a:lnRef>
-          <a:fillRef idx="1">
-            <a:schemeClr val="accent1"/>
-          </a:fillRef>
-          <a:effectRef idx="0">
-            <a:schemeClr val="accent1"/>
-          </a:effectRef>
-          <a:fontRef idx="minor">
-            <a:schemeClr val="lt1"/>
-          </a:fontRef>
-        </p:style>
-        <p:txBody>
-          <a:bodyPr rtlCol="0" anchor="ctr"/>
-          <a:lstStyle/>
-          <a:p>
-            <a:pPr algn="ctr"/>
-            <a:endParaRPr lang="en-US" dirty="0">
-              <a:solidFill>
-                <a:schemeClr val="tx1"/>
-              </a:solidFill>
-            </a:endParaRPr>
-          </a:p>
-        </p:txBody>
-      </p:sp>
-      <p:sp>
-        <p:nvSpPr>
-          <p:cNvPr id="8" name="Right Arrow 7"/>
-          <p:cNvSpPr/>
-          <p:nvPr/>
-        </p:nvSpPr>
-        <p:spPr>
-          <a:xfrm rot="15932479">
-            <a:off x="1584100" y="3896512"/>
-            <a:ext cx="2961027" cy="484632"/>
-          </a:xfrm>
-          <a:prstGeom prst="rightArrow">
-            <a:avLst/>
-          </a:prstGeom>
-          <a:solidFill>
-            <a:srgbClr val="FF0000">
-              <a:alpha val="50000"/>
-            </a:srgbClr>
-          </a:solidFill>
-          <a:ln w="12700">
-            <a:solidFill>
-              <a:schemeClr val="tx1"/>
-            </a:solidFill>
-          </a:ln>
-        </p:spPr>
-        <p:style>
-          <a:lnRef idx="2">
-            <a:schemeClr val="accent1">
-              <a:shade val="50000"/>
-            </a:schemeClr>
-          </a:lnRef>
-          <a:fillRef idx="1">
-            <a:schemeClr val="accent1"/>
-          </a:fillRef>
-          <a:effectRef idx="0">
-            <a:schemeClr val="accent1"/>
-          </a:effectRef>
-          <a:fontRef idx="minor">
-            <a:schemeClr val="lt1"/>
-          </a:fontRef>
-        </p:style>
-        <p:txBody>
-          <a:bodyPr rtlCol="0" anchor="ctr"/>
-          <a:lstStyle/>
-          <a:p>
-            <a:pPr algn="ctr"/>
-            <a:endParaRPr lang="en-US" dirty="0">
-              <a:solidFill>
-                <a:schemeClr val="tx1"/>
-              </a:solidFill>
-            </a:endParaRPr>
-          </a:p>
-        </p:txBody>
-      </p:sp>
-      <p:sp>
-        <p:nvSpPr>
-          <p:cNvPr id="4" name="Rectangle 3"/>
-          <p:cNvSpPr/>
-          <p:nvPr/>
-        </p:nvSpPr>
-        <p:spPr>
-          <a:xfrm>
-            <a:off x="5334000" y="4888436"/>
-            <a:ext cx="2819400" cy="1957172"/>
-          </a:xfrm>
-          <a:prstGeom prst="rect">
-            <a:avLst/>
-          </a:prstGeom>
-          <a:solidFill>
-            <a:schemeClr val="accent3">
-              <a:lumMod val="40000"/>
-              <a:lumOff val="60000"/>
-            </a:schemeClr>
-          </a:solidFill>
-          <a:ln/>
-        </p:spPr>
-        <p:style>
-          <a:lnRef idx="2">
-            <a:schemeClr val="accent1"/>
-          </a:lnRef>
-          <a:fillRef idx="1">
-            <a:schemeClr val="lt1"/>
-          </a:fillRef>
-          <a:effectRef idx="0">
-            <a:schemeClr val="accent1"/>
-          </a:effectRef>
-          <a:fontRef idx="minor">
-            <a:schemeClr val="dk1"/>
-          </a:fontRef>
-        </p:style>
-        <p:txBody>
-          <a:bodyPr rot="0" spcFirstLastPara="0" vertOverflow="overflow" horzOverflow="overflow" vert="horz" wrap="square" lIns="91440" tIns="45720" rIns="91440" bIns="45720" numCol="1" spcCol="0" rtlCol="0" fromWordArt="0" anchor="ctr" anchorCtr="0" forceAA="0" compatLnSpc="1">
-            <a:prstTxWarp prst="textNoShape">
-              <a:avLst/>
-            </a:prstTxWarp>
-            <a:noAutofit/>
-          </a:bodyPr>
-          <a:lstStyle/>
-          <a:p>
-            <a:r>
-              <a:rPr lang="en-US" dirty="0">
-                <a:solidFill>
-                  <a:schemeClr val="tx1"/>
-                </a:solidFill>
-              </a:rPr>
-              <a:t>As we did before, we could replace the structural decomposition on </a:t>
-            </a:r>
-            <a:r>
-              <a:rPr lang="en-US" dirty="0" err="1">
-                <a:solidFill>
-                  <a:schemeClr val="tx1"/>
-                </a:solidFill>
-              </a:rPr>
-              <a:t>PersonList</a:t>
-            </a:r>
-            <a:r>
-              <a:rPr lang="en-US" dirty="0">
-                <a:solidFill>
-                  <a:schemeClr val="tx1"/>
-                </a:solidFill>
-              </a:rPr>
-              <a:t> with Higher-Order Function Composition.  The functions are still mutually recursive.</a:t>
-            </a:r>
-          </a:p>
-        </p:txBody>
-      </p:sp>
-      <p:sp>
-        <p:nvSpPr>
-          <p:cNvPr id="6" name="&quot;Not Allowed&quot; Symbol 5"/>
-          <p:cNvSpPr/>
-          <p:nvPr/>
-        </p:nvSpPr>
-        <p:spPr>
-          <a:xfrm>
-            <a:off x="4876800" y="2133600"/>
-            <a:ext cx="2590800" cy="2209800"/>
-          </a:xfrm>
-          <a:prstGeom prst="noSmoking">
-            <a:avLst/>
-          </a:prstGeom>
-          <a:solidFill>
-            <a:srgbClr val="FFFF00"/>
-          </a:solidFill>
-          <a:ln/>
-        </p:spPr>
-        <p:style>
-          <a:lnRef idx="2">
-            <a:schemeClr val="accent1"/>
-          </a:lnRef>
-          <a:fillRef idx="1">
-            <a:schemeClr val="lt1"/>
-          </a:fillRef>
-          <a:effectRef idx="0">
-            <a:schemeClr val="accent1"/>
-          </a:effectRef>
-          <a:fontRef idx="minor">
-            <a:schemeClr val="dk1"/>
-          </a:fontRef>
-        </p:style>
-        <p:txBody>
-          <a:bodyPr rot="0" spcFirstLastPara="0" vertOverflow="overflow" horzOverflow="overflow" vert="horz" wrap="square" lIns="91440" tIns="45720" rIns="91440" bIns="45720" numCol="1" spcCol="0" rtlCol="0" fromWordArt="0" anchor="ctr" anchorCtr="0" forceAA="0" compatLnSpc="1">
-            <a:prstTxWarp prst="textNoShape">
-              <a:avLst/>
-            </a:prstTxWarp>
-            <a:noAutofit/>
-          </a:bodyPr>
-          <a:lstStyle/>
-          <a:p>
-            <a:pPr algn="ctr"/>
-            <a:endParaRPr lang="en-US" dirty="0">
-              <a:solidFill>
-                <a:schemeClr val="tx1"/>
-              </a:solidFill>
-            </a:endParaRPr>
           </a:p>
         </p:txBody>
       </p:sp>
     </p:spTree>
     <p:extLst>
       <p:ext uri="{BB962C8B-B14F-4D97-AF65-F5344CB8AC3E}">
-        <p14:creationId xmlns:p14="http://schemas.microsoft.com/office/powerpoint/2010/main" val="648025483"/>
+        <p14:creationId xmlns:p14="http://schemas.microsoft.com/office/powerpoint/2010/main" val="3625526277"/>
       </p:ext>
     </p:extLst>
   </p:cSld>
   <p:clrMapOvr>
     <a:masterClrMapping/>
   </p:clrMapOvr>
-  <p:timing>
-    <p:tnLst>
-      <p:par>
-        <p:cTn id="1" dur="indefinite" restart="never" nodeType="tmRoot">
-          <p:childTnLst>
-            <p:seq concurrent="1" nextAc="seek">
-              <p:cTn id="2" dur="indefinite" nodeType="mainSeq">
-                <p:childTnLst>
-                  <p:par>
-                    <p:cTn id="3" fill="hold">
-                      <p:stCondLst>
-                        <p:cond delay="indefinite"/>
-                      </p:stCondLst>
-                      <p:childTnLst>
-                        <p:par>
-                          <p:cTn id="4" fill="hold">
-                            <p:stCondLst>
-                              <p:cond delay="0"/>
-                            </p:stCondLst>
-                            <p:childTnLst>
-                              <p:par>
-                                <p:cTn id="5" presetID="10" presetClass="entr" presetSubtype="0" fill="hold" grpId="0" nodeType="clickEffect">
-                                  <p:stCondLst>
-                                    <p:cond delay="0"/>
-                                  </p:stCondLst>
-                                  <p:childTnLst>
-                                    <p:set>
-                                      <p:cBhvr>
-                                        <p:cTn id="6" dur="1" fill="hold">
-                                          <p:stCondLst>
-                                            <p:cond delay="0"/>
-                                          </p:stCondLst>
-                                        </p:cTn>
-                                        <p:tgtEl>
-                                          <p:spTgt spid="7"/>
-                                        </p:tgtEl>
-                                        <p:attrNameLst>
-                                          <p:attrName>style.visibility</p:attrName>
-                                        </p:attrNameLst>
-                                      </p:cBhvr>
-                                      <p:to>
-                                        <p:strVal val="visible"/>
-                                      </p:to>
-                                    </p:set>
-                                    <p:animEffect transition="in" filter="fade">
-                                      <p:cBhvr>
-                                        <p:cTn id="7" dur="2000"/>
-                                        <p:tgtEl>
-                                          <p:spTgt spid="7"/>
-                                        </p:tgtEl>
-                                      </p:cBhvr>
-                                    </p:animEffect>
-                                  </p:childTnLst>
-                                </p:cTn>
-                              </p:par>
-                              <p:par>
-                                <p:cTn id="8" presetID="10" presetClass="entr" presetSubtype="0" fill="hold" grpId="0" nodeType="withEffect">
-                                  <p:stCondLst>
-                                    <p:cond delay="0"/>
-                                  </p:stCondLst>
-                                  <p:childTnLst>
-                                    <p:set>
-                                      <p:cBhvr>
-                                        <p:cTn id="9" dur="1" fill="hold">
-                                          <p:stCondLst>
-                                            <p:cond delay="0"/>
-                                          </p:stCondLst>
-                                        </p:cTn>
-                                        <p:tgtEl>
-                                          <p:spTgt spid="8"/>
-                                        </p:tgtEl>
-                                        <p:attrNameLst>
-                                          <p:attrName>style.visibility</p:attrName>
-                                        </p:attrNameLst>
-                                      </p:cBhvr>
-                                      <p:to>
-                                        <p:strVal val="visible"/>
-                                      </p:to>
-                                    </p:set>
-                                    <p:animEffect transition="in" filter="fade">
-                                      <p:cBhvr>
-                                        <p:cTn id="10" dur="2000"/>
-                                        <p:tgtEl>
-                                          <p:spTgt spid="8"/>
-                                        </p:tgtEl>
-                                      </p:cBhvr>
-                                    </p:animEffect>
-                                  </p:childTnLst>
-                                </p:cTn>
-                              </p:par>
-                            </p:childTnLst>
-                          </p:cTn>
-                        </p:par>
-                      </p:childTnLst>
-                    </p:cTn>
-                  </p:par>
-                </p:childTnLst>
-              </p:cTn>
-              <p:prevCondLst>
-                <p:cond evt="onPrev" delay="0">
-                  <p:tgtEl>
-                    <p:sldTgt/>
-                  </p:tgtEl>
-                </p:cond>
-              </p:prevCondLst>
-              <p:nextCondLst>
-                <p:cond evt="onNext" delay="0">
-                  <p:tgtEl>
-                    <p:sldTgt/>
-                  </p:tgtEl>
-                </p:cond>
-              </p:nextCondLst>
-            </p:seq>
-          </p:childTnLst>
-        </p:cTn>
-      </p:par>
-    </p:tnLst>
-    <p:bldLst>
-      <p:bldP spid="7" grpId="0" animBg="1"/>
-      <p:bldP spid="8" grpId="0" animBg="1"/>
-    </p:bldLst>
-  </p:timing>
 </p:sld>
 </file>
 
-<file path=ppt/slides/slide22.xml><?xml version="1.0" encoding="utf-8"?>
+<file path=ppt/slides/slide20.xml><?xml version="1.0" encoding="utf-8"?>
 <p:sld xmlns:a="http://schemas.openxmlformats.org/drawingml/2006/main" xmlns:r="http://schemas.openxmlformats.org/officeDocument/2006/relationships" xmlns:p="http://schemas.openxmlformats.org/presentationml/2006/main">
   <p:cSld>
     <p:spTree>
@@ -25348,7 +24103,7 @@
           <a:p>
             <a:fld id="{C1D4534E-1B22-4A44-850A-B3E8E9EE687A}" type="slidenum">
               <a:rPr lang="en-US" smtClean="0"/>
-              <a:t>22</a:t>
+              <a:t>20</a:t>
             </a:fld>
             <a:endParaRPr lang="en-US"/>
           </a:p>
@@ -25367,7 +24122,7 @@
 </p:sld>
 </file>
 
-<file path=ppt/slides/slide23.xml><?xml version="1.0" encoding="utf-8"?>
+<file path=ppt/slides/slide21.xml><?xml version="1.0" encoding="utf-8"?>
 <p:sld xmlns:a="http://schemas.openxmlformats.org/drawingml/2006/main" xmlns:r="http://schemas.openxmlformats.org/officeDocument/2006/relationships" xmlns:p="http://schemas.openxmlformats.org/presentationml/2006/main">
   <p:cSld>
     <p:spTree>
@@ -25453,7 +24208,7 @@
           <a:p>
             <a:fld id="{C1D4534E-1B22-4A44-850A-B3E8E9EE687A}" type="slidenum">
               <a:rPr lang="en-US" smtClean="0"/>
-              <a:t>23</a:t>
+              <a:t>21</a:t>
             </a:fld>
             <a:endParaRPr lang="en-US"/>
           </a:p>
@@ -25603,7 +24358,7 @@
 </p:sld>
 </file>
 
-<file path=ppt/slides/slide24.xml><?xml version="1.0" encoding="utf-8"?>
+<file path=ppt/slides/slide22.xml><?xml version="1.0" encoding="utf-8"?>
 <p:sld xmlns:a="http://schemas.openxmlformats.org/drawingml/2006/main" xmlns:r="http://schemas.openxmlformats.org/officeDocument/2006/relationships" xmlns:p="http://schemas.openxmlformats.org/presentationml/2006/main">
   <p:cSld>
     <p:spTree>
@@ -26008,7 +24763,7 @@
           <a:p>
             <a:fld id="{C1D4534E-1B22-4A44-850A-B3E8E9EE687A}" type="slidenum">
               <a:rPr lang="en-US" smtClean="0"/>
-              <a:t>24</a:t>
+              <a:t>22</a:t>
             </a:fld>
             <a:endParaRPr lang="en-US"/>
           </a:p>
@@ -26403,7 +25158,7 @@
 </p:sld>
 </file>
 
-<file path=ppt/slides/slide25.xml><?xml version="1.0" encoding="utf-8"?>
+<file path=ppt/slides/slide23.xml><?xml version="1.0" encoding="utf-8"?>
 <p:sld xmlns:a="http://schemas.openxmlformats.org/drawingml/2006/main" xmlns:r="http://schemas.openxmlformats.org/officeDocument/2006/relationships" xmlns:p="http://schemas.openxmlformats.org/presentationml/2006/main">
   <p:cSld>
     <p:spTree>
@@ -26512,7 +25267,7 @@
           <a:p>
             <a:fld id="{C1D4534E-1B22-4A44-850A-B3E8E9EE687A}" type="slidenum">
               <a:rPr lang="en-US" smtClean="0"/>
-              <a:t>25</a:t>
+              <a:t>23</a:t>
             </a:fld>
             <a:endParaRPr lang="en-US"/>
           </a:p>
@@ -26531,7 +25286,7 @@
 </p:sld>
 </file>
 
-<file path=ppt/slides/slide26.xml><?xml version="1.0" encoding="utf-8"?>
+<file path=ppt/slides/slide24.xml><?xml version="1.0" encoding="utf-8"?>
 <p:sld xmlns:a="http://schemas.openxmlformats.org/drawingml/2006/main" xmlns:r="http://schemas.openxmlformats.org/officeDocument/2006/relationships" xmlns:p="http://schemas.openxmlformats.org/presentationml/2006/main">
   <p:cSld>
     <p:spTree>
@@ -26621,7 +25376,7 @@
           <a:p>
             <a:fld id="{C1D4534E-1B22-4A44-850A-B3E8E9EE687A}" type="slidenum">
               <a:rPr lang="en-US" smtClean="0"/>
-              <a:t>26</a:t>
+              <a:t>24</a:t>
             </a:fld>
             <a:endParaRPr lang="en-US"/>
           </a:p>
